--- a/Presentation.pptx
+++ b/Presentation.pptx
@@ -8,7 +8,7 @@
     <p:sldId id="256" r:id="rId2"/>
     <p:sldId id="257" r:id="rId3"/>
     <p:sldId id="258" r:id="rId4"/>
-    <p:sldId id="259" r:id="rId5"/>
+    <p:sldId id="260" r:id="rId5"/>
   </p:sldIdLst>
   <p:sldSz cx="12192000" cy="6858000"/>
   <p:notesSz cx="6858000" cy="9144000"/>
@@ -6749,7 +6749,7 @@
             <a:pPr algn="ctr"/>
             <a:r>
               <a:rPr lang="en-US" dirty="0"/>
-              <a:t>Cheb</a:t>
+              <a:t>Chebyshev</a:t>
             </a:r>
             <a:r>
               <a:rPr lang="zh-CN" altLang="en-US" dirty="0"/>
@@ -6981,50 +6981,575 @@
       </p:grpSpPr>
       <p:sp>
         <p:nvSpPr>
-          <p:cNvPr id="2" name="Title 1">
-            <a:extLst>
-              <a:ext uri="{FF2B5EF4-FFF2-40B4-BE49-F238E27FC236}">
-                <a16:creationId xmlns:a16="http://schemas.microsoft.com/office/drawing/2014/main" id="{301BF25F-5011-CA86-9E91-B947C330C00A}"/>
-              </a:ext>
-            </a:extLst>
-          </p:cNvPr>
-          <p:cNvSpPr>
-            <a:spLocks noGrp="1"/>
-          </p:cNvSpPr>
-          <p:nvPr>
-            <p:ph type="title"/>
-          </p:nvPr>
-        </p:nvSpPr>
-        <p:spPr/>
-        <p:txBody>
-          <a:bodyPr/>
-          <a:lstStyle/>
-          <a:p>
-            <a:endParaRPr lang="en-CN"/>
-          </a:p>
-        </p:txBody>
-      </p:sp>
-      <p:sp>
-        <p:nvSpPr>
-          <p:cNvPr id="3" name="Content Placeholder 2">
-            <a:extLst>
-              <a:ext uri="{FF2B5EF4-FFF2-40B4-BE49-F238E27FC236}">
-                <a16:creationId xmlns:a16="http://schemas.microsoft.com/office/drawing/2014/main" id="{57B6EAA8-A2DA-D273-6FA3-FE3632FD3F30}"/>
-              </a:ext>
-            </a:extLst>
-          </p:cNvPr>
-          <p:cNvSpPr>
-            <a:spLocks noGrp="1"/>
-          </p:cNvSpPr>
-          <p:nvPr>
-            <p:ph idx="1"/>
-          </p:nvPr>
-        </p:nvSpPr>
-        <p:spPr/>
-        <p:txBody>
-          <a:bodyPr/>
-          <a:lstStyle/>
-          <a:p>
+          <p:cNvPr id="4" name="Rounded Rectangle 3">
+            <a:extLst>
+              <a:ext uri="{FF2B5EF4-FFF2-40B4-BE49-F238E27FC236}">
+                <a16:creationId xmlns:a16="http://schemas.microsoft.com/office/drawing/2014/main" id="{FCFAFB57-BE66-C47E-EF54-45EF31DDC3E4}"/>
+              </a:ext>
+            </a:extLst>
+          </p:cNvPr>
+          <p:cNvSpPr/>
+          <p:nvPr/>
+        </p:nvSpPr>
+        <p:spPr>
+          <a:xfrm>
+            <a:off x="2420216" y="1366025"/>
+            <a:ext cx="6696692" cy="3456588"/>
+          </a:xfrm>
+          <a:prstGeom prst="roundRect">
+            <a:avLst/>
+          </a:prstGeom>
+          <a:solidFill>
+            <a:schemeClr val="bg1"/>
+          </a:solidFill>
+          <a:ln>
+            <a:solidFill>
+              <a:schemeClr val="accent1"/>
+            </a:solidFill>
+          </a:ln>
+        </p:spPr>
+        <p:style>
+          <a:lnRef idx="2">
+            <a:schemeClr val="accent1">
+              <a:shade val="50000"/>
+            </a:schemeClr>
+          </a:lnRef>
+          <a:fillRef idx="1">
+            <a:schemeClr val="accent1"/>
+          </a:fillRef>
+          <a:effectRef idx="0">
+            <a:schemeClr val="accent1"/>
+          </a:effectRef>
+          <a:fontRef idx="minor">
+            <a:schemeClr val="lt1"/>
+          </a:fontRef>
+        </p:style>
+        <p:txBody>
+          <a:bodyPr rtlCol="0" anchor="ctr"/>
+          <a:lstStyle/>
+          <a:p>
+            <a:pPr algn="ctr"/>
+            <a:endParaRPr lang="en-CN" dirty="0">
+              <a:solidFill>
+                <a:schemeClr val="accent1"/>
+              </a:solidFill>
+            </a:endParaRPr>
+          </a:p>
+        </p:txBody>
+      </p:sp>
+      <p:sp>
+        <p:nvSpPr>
+          <p:cNvPr id="6" name="Rounded Rectangle 5">
+            <a:extLst>
+              <a:ext uri="{FF2B5EF4-FFF2-40B4-BE49-F238E27FC236}">
+                <a16:creationId xmlns:a16="http://schemas.microsoft.com/office/drawing/2014/main" id="{CFD48804-0F03-9A71-9970-3844C8E28D30}"/>
+              </a:ext>
+            </a:extLst>
+          </p:cNvPr>
+          <p:cNvSpPr/>
+          <p:nvPr/>
+        </p:nvSpPr>
+        <p:spPr>
+          <a:xfrm>
+            <a:off x="3108961" y="2269067"/>
+            <a:ext cx="650238" cy="1828800"/>
+          </a:xfrm>
+          <a:prstGeom prst="roundRect">
+            <a:avLst/>
+          </a:prstGeom>
+        </p:spPr>
+        <p:style>
+          <a:lnRef idx="2">
+            <a:schemeClr val="accent1">
+              <a:shade val="50000"/>
+            </a:schemeClr>
+          </a:lnRef>
+          <a:fillRef idx="1">
+            <a:schemeClr val="accent1"/>
+          </a:fillRef>
+          <a:effectRef idx="0">
+            <a:schemeClr val="accent1"/>
+          </a:effectRef>
+          <a:fontRef idx="minor">
+            <a:schemeClr val="lt1"/>
+          </a:fontRef>
+        </p:style>
+        <p:txBody>
+          <a:bodyPr rtlCol="0" anchor="ctr"/>
+          <a:lstStyle/>
+          <a:p>
+            <a:pPr algn="ctr"/>
+            <a:r>
+              <a:rPr lang="en-US" dirty="0"/>
+              <a:t>GFT</a:t>
+            </a:r>
+            <a:endParaRPr lang="en-CN" dirty="0"/>
+          </a:p>
+        </p:txBody>
+      </p:sp>
+      <p:sp>
+        <p:nvSpPr>
+          <p:cNvPr id="7" name="TextBox 6">
+            <a:extLst>
+              <a:ext uri="{FF2B5EF4-FFF2-40B4-BE49-F238E27FC236}">
+                <a16:creationId xmlns:a16="http://schemas.microsoft.com/office/drawing/2014/main" id="{A4406049-C942-5932-A511-699CDA9DDCA7}"/>
+              </a:ext>
+            </a:extLst>
+          </p:cNvPr>
+          <p:cNvSpPr txBox="1"/>
+          <p:nvPr/>
+        </p:nvSpPr>
+        <p:spPr>
+          <a:xfrm>
+            <a:off x="2841430" y="1626613"/>
+            <a:ext cx="2307572" cy="369332"/>
+          </a:xfrm>
+          <a:prstGeom prst="rect">
+            <a:avLst/>
+          </a:prstGeom>
+          <a:noFill/>
+        </p:spPr>
+        <p:txBody>
+          <a:bodyPr wrap="square" rtlCol="0">
+            <a:spAutoFit/>
+          </a:bodyPr>
+          <a:lstStyle/>
+          <a:p>
+            <a:r>
+              <a:rPr lang="en-CN" dirty="0"/>
+              <a:t>GNN</a:t>
+            </a:r>
+          </a:p>
+        </p:txBody>
+      </p:sp>
+      <p:sp>
+        <p:nvSpPr>
+          <p:cNvPr id="11" name="Right Arrow 10">
+            <a:extLst>
+              <a:ext uri="{FF2B5EF4-FFF2-40B4-BE49-F238E27FC236}">
+                <a16:creationId xmlns:a16="http://schemas.microsoft.com/office/drawing/2014/main" id="{E73C89D8-74B6-C470-C086-C52718EAE697}"/>
+              </a:ext>
+            </a:extLst>
+          </p:cNvPr>
+          <p:cNvSpPr/>
+          <p:nvPr/>
+        </p:nvSpPr>
+        <p:spPr>
+          <a:xfrm>
+            <a:off x="3862478" y="3071459"/>
+            <a:ext cx="291253" cy="45719"/>
+          </a:xfrm>
+          <a:prstGeom prst="rightArrow">
+            <a:avLst/>
+          </a:prstGeom>
+        </p:spPr>
+        <p:style>
+          <a:lnRef idx="2">
+            <a:schemeClr val="accent1">
+              <a:shade val="50000"/>
+            </a:schemeClr>
+          </a:lnRef>
+          <a:fillRef idx="1">
+            <a:schemeClr val="accent1"/>
+          </a:fillRef>
+          <a:effectRef idx="0">
+            <a:schemeClr val="accent1"/>
+          </a:effectRef>
+          <a:fontRef idx="minor">
+            <a:schemeClr val="lt1"/>
+          </a:fontRef>
+        </p:style>
+        <p:txBody>
+          <a:bodyPr rtlCol="0" anchor="ctr"/>
+          <a:lstStyle/>
+          <a:p>
+            <a:pPr algn="ctr"/>
+            <a:endParaRPr lang="en-CN"/>
+          </a:p>
+        </p:txBody>
+      </p:sp>
+      <p:sp>
+        <p:nvSpPr>
+          <p:cNvPr id="2" name="TextBox 1">
+            <a:extLst>
+              <a:ext uri="{FF2B5EF4-FFF2-40B4-BE49-F238E27FC236}">
+                <a16:creationId xmlns:a16="http://schemas.microsoft.com/office/drawing/2014/main" id="{0F4D03BE-351A-FF7B-F5B1-47FE9A0D0B31}"/>
+              </a:ext>
+            </a:extLst>
+          </p:cNvPr>
+          <p:cNvSpPr txBox="1"/>
+          <p:nvPr/>
+        </p:nvSpPr>
+        <p:spPr>
+          <a:xfrm>
+            <a:off x="2716107" y="5540587"/>
+            <a:ext cx="3158813" cy="646331"/>
+          </a:xfrm>
+          <a:prstGeom prst="rect">
+            <a:avLst/>
+          </a:prstGeom>
+          <a:noFill/>
+        </p:spPr>
+        <p:txBody>
+          <a:bodyPr wrap="none" rtlCol="0">
+            <a:spAutoFit/>
+          </a:bodyPr>
+          <a:lstStyle/>
+          <a:p>
+            <a:r>
+              <a:rPr lang="en-US" dirty="0"/>
+              <a:t>GFT</a:t>
+            </a:r>
+            <a:r>
+              <a:rPr lang="en-US" altLang="zh-CN" dirty="0"/>
+              <a:t>--Graph Fourier Transform</a:t>
+            </a:r>
+          </a:p>
+          <a:p>
+            <a:r>
+              <a:rPr lang="en-US" dirty="0"/>
+              <a:t>DFT</a:t>
+            </a:r>
+            <a:r>
+              <a:rPr lang="en-US" altLang="zh-CN" dirty="0"/>
+              <a:t>--Discrete Fourier Transform</a:t>
+            </a:r>
+            <a:endParaRPr lang="en-CN" dirty="0"/>
+          </a:p>
+        </p:txBody>
+      </p:sp>
+      <p:sp>
+        <p:nvSpPr>
+          <p:cNvPr id="19" name="Rounded Rectangle 18">
+            <a:extLst>
+              <a:ext uri="{FF2B5EF4-FFF2-40B4-BE49-F238E27FC236}">
+                <a16:creationId xmlns:a16="http://schemas.microsoft.com/office/drawing/2014/main" id="{2199E0BD-F8BD-8878-492E-313439294225}"/>
+              </a:ext>
+            </a:extLst>
+          </p:cNvPr>
+          <p:cNvSpPr/>
+          <p:nvPr/>
+        </p:nvSpPr>
+        <p:spPr>
+          <a:xfrm>
+            <a:off x="4295513" y="2269067"/>
+            <a:ext cx="650238" cy="1828800"/>
+          </a:xfrm>
+          <a:prstGeom prst="roundRect">
+            <a:avLst/>
+          </a:prstGeom>
+        </p:spPr>
+        <p:style>
+          <a:lnRef idx="2">
+            <a:schemeClr val="accent1">
+              <a:shade val="50000"/>
+            </a:schemeClr>
+          </a:lnRef>
+          <a:fillRef idx="1">
+            <a:schemeClr val="accent1"/>
+          </a:fillRef>
+          <a:effectRef idx="0">
+            <a:schemeClr val="accent1"/>
+          </a:effectRef>
+          <a:fontRef idx="minor">
+            <a:schemeClr val="lt1"/>
+          </a:fontRef>
+        </p:style>
+        <p:txBody>
+          <a:bodyPr rtlCol="0" anchor="ctr"/>
+          <a:lstStyle/>
+          <a:p>
+            <a:pPr algn="ctr"/>
+            <a:r>
+              <a:rPr lang="en-US" dirty="0"/>
+              <a:t>DFT</a:t>
+            </a:r>
+          </a:p>
+        </p:txBody>
+      </p:sp>
+      <p:sp>
+        <p:nvSpPr>
+          <p:cNvPr id="20" name="Rounded Rectangle 19">
+            <a:extLst>
+              <a:ext uri="{FF2B5EF4-FFF2-40B4-BE49-F238E27FC236}">
+                <a16:creationId xmlns:a16="http://schemas.microsoft.com/office/drawing/2014/main" id="{2751C74B-D725-3A78-E5B5-DCE2D7A133D2}"/>
+              </a:ext>
+            </a:extLst>
+          </p:cNvPr>
+          <p:cNvSpPr/>
+          <p:nvPr/>
+        </p:nvSpPr>
+        <p:spPr>
+          <a:xfrm>
+            <a:off x="5482065" y="2269067"/>
+            <a:ext cx="650238" cy="1828800"/>
+          </a:xfrm>
+          <a:prstGeom prst="roundRect">
+            <a:avLst/>
+          </a:prstGeom>
+        </p:spPr>
+        <p:style>
+          <a:lnRef idx="2">
+            <a:schemeClr val="accent1">
+              <a:shade val="50000"/>
+            </a:schemeClr>
+          </a:lnRef>
+          <a:fillRef idx="1">
+            <a:schemeClr val="accent1"/>
+          </a:fillRef>
+          <a:effectRef idx="0">
+            <a:schemeClr val="accent1"/>
+          </a:effectRef>
+          <a:fontRef idx="minor">
+            <a:schemeClr val="lt1"/>
+          </a:fontRef>
+        </p:style>
+        <p:txBody>
+          <a:bodyPr rtlCol="0" anchor="ctr"/>
+          <a:lstStyle/>
+          <a:p>
+            <a:pPr algn="ctr"/>
+            <a:r>
+              <a:rPr lang="en-US" dirty="0"/>
+              <a:t>FC</a:t>
+            </a:r>
+          </a:p>
+        </p:txBody>
+      </p:sp>
+      <p:sp>
+        <p:nvSpPr>
+          <p:cNvPr id="21" name="Rounded Rectangle 20">
+            <a:extLst>
+              <a:ext uri="{FF2B5EF4-FFF2-40B4-BE49-F238E27FC236}">
+                <a16:creationId xmlns:a16="http://schemas.microsoft.com/office/drawing/2014/main" id="{21586B89-76B1-0239-F89D-775020E0E932}"/>
+              </a:ext>
+            </a:extLst>
+          </p:cNvPr>
+          <p:cNvSpPr/>
+          <p:nvPr/>
+        </p:nvSpPr>
+        <p:spPr>
+          <a:xfrm>
+            <a:off x="6572374" y="2269067"/>
+            <a:ext cx="699994" cy="1828800"/>
+          </a:xfrm>
+          <a:prstGeom prst="roundRect">
+            <a:avLst/>
+          </a:prstGeom>
+        </p:spPr>
+        <p:style>
+          <a:lnRef idx="2">
+            <a:schemeClr val="accent1">
+              <a:shade val="50000"/>
+            </a:schemeClr>
+          </a:lnRef>
+          <a:fillRef idx="1">
+            <a:schemeClr val="accent1"/>
+          </a:fillRef>
+          <a:effectRef idx="0">
+            <a:schemeClr val="accent1"/>
+          </a:effectRef>
+          <a:fontRef idx="minor">
+            <a:schemeClr val="lt1"/>
+          </a:fontRef>
+        </p:style>
+        <p:txBody>
+          <a:bodyPr rtlCol="0" anchor="ctr"/>
+          <a:lstStyle/>
+          <a:p>
+            <a:pPr algn="ctr"/>
+            <a:r>
+              <a:rPr lang="en-US" dirty="0" err="1"/>
+              <a:t>iDFT</a:t>
+            </a:r>
+            <a:endParaRPr lang="en-US" dirty="0"/>
+          </a:p>
+        </p:txBody>
+      </p:sp>
+      <p:sp>
+        <p:nvSpPr>
+          <p:cNvPr id="22" name="Rounded Rectangle 21">
+            <a:extLst>
+              <a:ext uri="{FF2B5EF4-FFF2-40B4-BE49-F238E27FC236}">
+                <a16:creationId xmlns:a16="http://schemas.microsoft.com/office/drawing/2014/main" id="{B2926B6B-51FD-CBB7-D691-6C9B08140FC6}"/>
+              </a:ext>
+            </a:extLst>
+          </p:cNvPr>
+          <p:cNvSpPr/>
+          <p:nvPr/>
+        </p:nvSpPr>
+        <p:spPr>
+          <a:xfrm>
+            <a:off x="7732809" y="2269067"/>
+            <a:ext cx="699994" cy="1828800"/>
+          </a:xfrm>
+          <a:prstGeom prst="roundRect">
+            <a:avLst/>
+          </a:prstGeom>
+        </p:spPr>
+        <p:style>
+          <a:lnRef idx="2">
+            <a:schemeClr val="accent1">
+              <a:shade val="50000"/>
+            </a:schemeClr>
+          </a:lnRef>
+          <a:fillRef idx="1">
+            <a:schemeClr val="accent1"/>
+          </a:fillRef>
+          <a:effectRef idx="0">
+            <a:schemeClr val="accent1"/>
+          </a:effectRef>
+          <a:fontRef idx="minor">
+            <a:schemeClr val="lt1"/>
+          </a:fontRef>
+        </p:style>
+        <p:txBody>
+          <a:bodyPr rtlCol="0" anchor="ctr"/>
+          <a:lstStyle/>
+          <a:p>
+            <a:pPr algn="ctr"/>
+            <a:r>
+              <a:rPr lang="en-US" dirty="0" err="1"/>
+              <a:t>iGFT</a:t>
+            </a:r>
+            <a:endParaRPr lang="en-US" dirty="0"/>
+          </a:p>
+        </p:txBody>
+      </p:sp>
+      <p:sp>
+        <p:nvSpPr>
+          <p:cNvPr id="23" name="Right Arrow 22">
+            <a:extLst>
+              <a:ext uri="{FF2B5EF4-FFF2-40B4-BE49-F238E27FC236}">
+                <a16:creationId xmlns:a16="http://schemas.microsoft.com/office/drawing/2014/main" id="{873C96F5-36ED-95CC-8465-01D68B94769E}"/>
+              </a:ext>
+            </a:extLst>
+          </p:cNvPr>
+          <p:cNvSpPr/>
+          <p:nvPr/>
+        </p:nvSpPr>
+        <p:spPr>
+          <a:xfrm>
+            <a:off x="5085751" y="3071459"/>
+            <a:ext cx="291253" cy="45719"/>
+          </a:xfrm>
+          <a:prstGeom prst="rightArrow">
+            <a:avLst/>
+          </a:prstGeom>
+        </p:spPr>
+        <p:style>
+          <a:lnRef idx="2">
+            <a:schemeClr val="accent1">
+              <a:shade val="50000"/>
+            </a:schemeClr>
+          </a:lnRef>
+          <a:fillRef idx="1">
+            <a:schemeClr val="accent1"/>
+          </a:fillRef>
+          <a:effectRef idx="0">
+            <a:schemeClr val="accent1"/>
+          </a:effectRef>
+          <a:fontRef idx="minor">
+            <a:schemeClr val="lt1"/>
+          </a:fontRef>
+        </p:style>
+        <p:txBody>
+          <a:bodyPr rtlCol="0" anchor="ctr"/>
+          <a:lstStyle/>
+          <a:p>
+            <a:pPr algn="ctr"/>
+            <a:endParaRPr lang="en-CN"/>
+          </a:p>
+        </p:txBody>
+      </p:sp>
+      <p:sp>
+        <p:nvSpPr>
+          <p:cNvPr id="24" name="Right Arrow 23">
+            <a:extLst>
+              <a:ext uri="{FF2B5EF4-FFF2-40B4-BE49-F238E27FC236}">
+                <a16:creationId xmlns:a16="http://schemas.microsoft.com/office/drawing/2014/main" id="{835A211E-B916-49A5-E18C-23C024B5292A}"/>
+              </a:ext>
+            </a:extLst>
+          </p:cNvPr>
+          <p:cNvSpPr/>
+          <p:nvPr/>
+        </p:nvSpPr>
+        <p:spPr>
+          <a:xfrm>
+            <a:off x="6206712" y="3071459"/>
+            <a:ext cx="291253" cy="45719"/>
+          </a:xfrm>
+          <a:prstGeom prst="rightArrow">
+            <a:avLst/>
+          </a:prstGeom>
+        </p:spPr>
+        <p:style>
+          <a:lnRef idx="2">
+            <a:schemeClr val="accent1">
+              <a:shade val="50000"/>
+            </a:schemeClr>
+          </a:lnRef>
+          <a:fillRef idx="1">
+            <a:schemeClr val="accent1"/>
+          </a:fillRef>
+          <a:effectRef idx="0">
+            <a:schemeClr val="accent1"/>
+          </a:effectRef>
+          <a:fontRef idx="minor">
+            <a:schemeClr val="lt1"/>
+          </a:fontRef>
+        </p:style>
+        <p:txBody>
+          <a:bodyPr rtlCol="0" anchor="ctr"/>
+          <a:lstStyle/>
+          <a:p>
+            <a:pPr algn="ctr"/>
+            <a:endParaRPr lang="en-CN"/>
+          </a:p>
+        </p:txBody>
+      </p:sp>
+      <p:sp>
+        <p:nvSpPr>
+          <p:cNvPr id="25" name="Right Arrow 24">
+            <a:extLst>
+              <a:ext uri="{FF2B5EF4-FFF2-40B4-BE49-F238E27FC236}">
+                <a16:creationId xmlns:a16="http://schemas.microsoft.com/office/drawing/2014/main" id="{BE95D183-8894-85BE-59FC-5AE7DF93AC26}"/>
+              </a:ext>
+            </a:extLst>
+          </p:cNvPr>
+          <p:cNvSpPr/>
+          <p:nvPr/>
+        </p:nvSpPr>
+        <p:spPr>
+          <a:xfrm>
+            <a:off x="7356962" y="3071459"/>
+            <a:ext cx="291253" cy="45719"/>
+          </a:xfrm>
+          <a:prstGeom prst="rightArrow">
+            <a:avLst/>
+          </a:prstGeom>
+        </p:spPr>
+        <p:style>
+          <a:lnRef idx="2">
+            <a:schemeClr val="accent1">
+              <a:shade val="50000"/>
+            </a:schemeClr>
+          </a:lnRef>
+          <a:fillRef idx="1">
+            <a:schemeClr val="accent1"/>
+          </a:fillRef>
+          <a:effectRef idx="0">
+            <a:schemeClr val="accent1"/>
+          </a:effectRef>
+          <a:fontRef idx="minor">
+            <a:schemeClr val="lt1"/>
+          </a:fontRef>
+        </p:style>
+        <p:txBody>
+          <a:bodyPr rtlCol="0" anchor="ctr"/>
+          <a:lstStyle/>
+          <a:p>
+            <a:pPr algn="ctr"/>
             <a:endParaRPr lang="en-CN"/>
           </a:p>
         </p:txBody>
@@ -7032,7 +7557,7 @@
     </p:spTree>
     <p:extLst>
       <p:ext uri="{BB962C8B-B14F-4D97-AF65-F5344CB8AC3E}">
-        <p14:creationId xmlns:p14="http://schemas.microsoft.com/office/powerpoint/2010/main" val="3687693723"/>
+        <p14:creationId xmlns:p14="http://schemas.microsoft.com/office/powerpoint/2010/main" val="1081976042"/>
       </p:ext>
     </p:extLst>
   </p:cSld>
